--- a/Apresentação.pptx
+++ b/Apresentação.pptx
@@ -13,8 +13,8 @@
     <p:sldId id="263" r:id="rId7"/>
     <p:sldId id="264" r:id="rId8"/>
     <p:sldId id="259" r:id="rId9"/>
-    <p:sldId id="260" r:id="rId10"/>
-    <p:sldId id="265" r:id="rId11"/>
+    <p:sldId id="265" r:id="rId10"/>
+    <p:sldId id="260" r:id="rId11"/>
     <p:sldId id="266" r:id="rId12"/>
     <p:sldId id="267" r:id="rId13"/>
     <p:sldId id="268" r:id="rId14"/>
@@ -116,6 +116,11 @@
       </a:defRPr>
     </a:lvl9pPr>
   </p:defaultTextStyle>
+  <p:extLst>
+    <p:ext uri="{EFAFB233-063F-42B5-8137-9DF3F51BA10A}">
+      <p15:sldGuideLst xmlns:p15="http://schemas.microsoft.com/office/powerpoint/2012/main"/>
+    </p:ext>
+  </p:extLst>
 </p:presentation>
 </file>
 
@@ -3351,10 +3356,22 @@
         </p:nvSpPr>
         <p:spPr/>
         <p:txBody>
-          <a:bodyPr/>
-          <a:lstStyle/>
-          <a:p>
-            <a:endParaRPr lang="pt-BR"/>
+          <a:bodyPr>
+            <a:normAutofit fontScale="90000"/>
+          </a:bodyPr>
+          <a:lstStyle/>
+          <a:p>
+            <a:r>
+              <a:rPr lang="pt-BR" b="1" dirty="0"/>
+              <a:t>RMI</a:t>
+            </a:r>
+            <a:br>
+              <a:rPr lang="pt-BR" b="1" dirty="0"/>
+            </a:br>
+            <a:r>
+              <a:rPr lang="pt-BR" b="1" dirty="0"/>
+              <a:t>Método de Invocação Remota</a:t>
+            </a:r>
           </a:p>
         </p:txBody>
       </p:sp>
@@ -3376,10 +3393,37 @@
         </p:nvSpPr>
         <p:spPr/>
         <p:txBody>
-          <a:bodyPr/>
-          <a:lstStyle/>
-          <a:p>
-            <a:endParaRPr lang="pt-BR"/>
+          <a:bodyPr>
+            <a:noAutofit/>
+          </a:bodyPr>
+          <a:lstStyle/>
+          <a:p>
+            <a:pPr rtl="0"/>
+            <a:r>
+              <a:rPr lang="pt-BR" sz="2800" dirty="0"/>
+              <a:t>Ana Laura Moraes De Donato		RA00275076</a:t>
+            </a:r>
+          </a:p>
+          <a:p>
+            <a:pPr rtl="0"/>
+            <a:r>
+              <a:rPr lang="pt-BR" sz="2800" dirty="0"/>
+              <a:t>Pedro Coltro do Carmo			RA00275090</a:t>
+            </a:r>
+          </a:p>
+          <a:p>
+            <a:pPr rtl="0"/>
+            <a:r>
+              <a:rPr lang="pt-BR" sz="2800" dirty="0"/>
+              <a:t>Matheus do Amaral Genta Mansano	RA00277871</a:t>
+            </a:r>
+          </a:p>
+          <a:p>
+            <a:pPr rtl="0"/>
+            <a:r>
+              <a:rPr lang="pt-BR" sz="2800" dirty="0"/>
+              <a:t>João Eraldo da Silveira Miguel		RA00096399</a:t>
+            </a:r>
           </a:p>
         </p:txBody>
       </p:sp>
@@ -3418,7 +3462,7 @@
           <p:cNvPr id="2" name="Título 1">
             <a:extLst>
               <a:ext uri="{FF2B5EF4-FFF2-40B4-BE49-F238E27FC236}">
-                <a16:creationId xmlns:a16="http://schemas.microsoft.com/office/drawing/2014/main" id="{DFEF097F-47D2-4119-843E-BB7230843E85}"/>
+                <a16:creationId xmlns:a16="http://schemas.microsoft.com/office/drawing/2014/main" id="{B050A3D9-DF36-4FF8-865A-14206455208A}"/>
               </a:ext>
             </a:extLst>
           </p:cNvPr>
@@ -3434,7 +3478,11 @@
           <a:bodyPr/>
           <a:lstStyle/>
           <a:p>
-            <a:endParaRPr lang="pt-BR"/>
+            <a:r>
+              <a:rPr lang="pt-BR" b="1" dirty="0"/>
+              <a:t>Desvantagens:</a:t>
+            </a:r>
+            <a:endParaRPr lang="pt-BR" dirty="0"/>
           </a:p>
         </p:txBody>
       </p:sp>
@@ -3443,7 +3491,7 @@
           <p:cNvPr id="3" name="Espaço Reservado para Conteúdo 2">
             <a:extLst>
               <a:ext uri="{FF2B5EF4-FFF2-40B4-BE49-F238E27FC236}">
-                <a16:creationId xmlns:a16="http://schemas.microsoft.com/office/drawing/2014/main" id="{C3C3EE40-F86B-4974-A92F-89A79D29E086}"/>
+                <a16:creationId xmlns:a16="http://schemas.microsoft.com/office/drawing/2014/main" id="{9345BB01-EE1D-4DF4-AA7C-A83F1A820092}"/>
               </a:ext>
             </a:extLst>
           </p:cNvPr>
@@ -3456,17 +3504,62 @@
         </p:nvSpPr>
         <p:spPr/>
         <p:txBody>
-          <a:bodyPr/>
-          <a:lstStyle/>
-          <a:p>
-            <a:endParaRPr lang="pt-BR"/>
+          <a:bodyPr>
+            <a:noAutofit/>
+          </a:bodyPr>
+          <a:lstStyle/>
+          <a:p>
+            <a:r>
+              <a:rPr lang="pt-BR" b="1" dirty="0"/>
+              <a:t>Limitações de Linguagem:</a:t>
+            </a:r>
+            <a:r>
+              <a:rPr lang="pt-BR" dirty="0"/>
+              <a:t> O RMI é específico para a linguagem Java, o que significa que a comunicação com sistemas </a:t>
+            </a:r>
+            <a:r>
+              <a:rPr lang="pt-BR" dirty="0" err="1"/>
+              <a:t>não-Java</a:t>
+            </a:r>
+            <a:r>
+              <a:rPr lang="pt-BR" dirty="0"/>
+              <a:t> pode ser complicada.</a:t>
+            </a:r>
+          </a:p>
+          <a:p>
+            <a:r>
+              <a:rPr lang="pt-BR" b="1" dirty="0"/>
+              <a:t>Complexidade da Configuração:</a:t>
+            </a:r>
+            <a:r>
+              <a:rPr lang="pt-BR" dirty="0"/>
+              <a:t> Configurar e iniciar o registro RMI e configurar os objetos remotos pode ser uma tarefa complexa e requer um conhecimento mais avançado.</a:t>
+            </a:r>
+          </a:p>
+          <a:p>
+            <a:r>
+              <a:rPr lang="pt-BR" b="1" dirty="0"/>
+              <a:t>Problemas de Desempenho:</a:t>
+            </a:r>
+            <a:r>
+              <a:rPr lang="pt-BR" dirty="0"/>
+              <a:t> Em comparação com tecnologias mais leves, como HTTP, o RMI pode ter uma sobrecarga de desempenho devido à serialização e </a:t>
+            </a:r>
+            <a:r>
+              <a:rPr lang="pt-BR" dirty="0" err="1"/>
+              <a:t>desserialização</a:t>
+            </a:r>
+            <a:r>
+              <a:rPr lang="pt-BR" dirty="0"/>
+              <a:t> de objetos.</a:t>
+            </a:r>
           </a:p>
         </p:txBody>
       </p:sp>
     </p:spTree>
     <p:extLst>
       <p:ext uri="{BB962C8B-B14F-4D97-AF65-F5344CB8AC3E}">
-        <p14:creationId xmlns:p14="http://schemas.microsoft.com/office/powerpoint/2010/main" val="67852813"/>
+        <p14:creationId xmlns:p14="http://schemas.microsoft.com/office/powerpoint/2010/main" val="3206589047"/>
       </p:ext>
     </p:extLst>
   </p:cSld>
@@ -3514,7 +3607,11 @@
           <a:bodyPr/>
           <a:lstStyle/>
           <a:p>
-            <a:endParaRPr lang="pt-BR"/>
+            <a:r>
+              <a:rPr lang="pt-BR" b="1" dirty="0"/>
+              <a:t>Desvantagens:</a:t>
+            </a:r>
+            <a:endParaRPr lang="pt-BR" dirty="0"/>
           </a:p>
         </p:txBody>
       </p:sp>
@@ -3536,10 +3633,52 @@
         </p:nvSpPr>
         <p:spPr/>
         <p:txBody>
-          <a:bodyPr/>
-          <a:lstStyle/>
-          <a:p>
-            <a:endParaRPr lang="pt-BR"/>
+          <a:bodyPr>
+            <a:normAutofit fontScale="92500" lnSpcReduction="10000"/>
+          </a:bodyPr>
+          <a:lstStyle/>
+          <a:p>
+            <a:endParaRPr lang="pt-BR" dirty="0"/>
+          </a:p>
+          <a:p>
+            <a:r>
+              <a:rPr lang="pt-BR" b="1" dirty="0"/>
+              <a:t>Dependência da Rede:</a:t>
+            </a:r>
+            <a:r>
+              <a:rPr lang="pt-BR" dirty="0"/>
+              <a:t> O RMI depende de uma rede funcional, e problemas de conectividade podem afetar a comunicação.</a:t>
+            </a:r>
+          </a:p>
+          <a:p>
+            <a:r>
+              <a:rPr lang="pt-BR" b="1" dirty="0"/>
+              <a:t>Compatibilidade entre Versões:</a:t>
+            </a:r>
+            <a:r>
+              <a:rPr lang="pt-BR" dirty="0"/>
+              <a:t> Alterações nas interfaces de objetos remotos podem causar problemas de compatibilidade entre versões, exigindo cuidados na evolução dos sistemas.</a:t>
+            </a:r>
+          </a:p>
+          <a:p>
+            <a:r>
+              <a:rPr lang="pt-BR" b="1" dirty="0"/>
+              <a:t>Complexidade de Gerenciamento:</a:t>
+            </a:r>
+            <a:r>
+              <a:rPr lang="pt-BR" dirty="0"/>
+              <a:t> A gestão de objetos remotos registrados pode se tornar complexa em sistemas grandes.</a:t>
+            </a:r>
+          </a:p>
+          <a:p>
+            <a:r>
+              <a:rPr lang="pt-BR" b="1" dirty="0"/>
+              <a:t>Limitação de Tipos de Dados</a:t>
+            </a:r>
+            <a:r>
+              <a:rPr lang="pt-BR" dirty="0"/>
+              <a:t>: O RMI é otimizado para objetos Java e pode não suportar tipos de dados complexos ou personalizados de maneira eficiente.</a:t>
+            </a:r>
           </a:p>
         </p:txBody>
       </p:sp>
@@ -3674,7 +3813,10 @@
           <a:bodyPr/>
           <a:lstStyle/>
           <a:p>
-            <a:endParaRPr lang="pt-BR"/>
+            <a:r>
+              <a:rPr lang="pt-BR" b="1" dirty="0"/>
+              <a:t>Referências</a:t>
+            </a:r>
           </a:p>
         </p:txBody>
       </p:sp>
@@ -3699,7 +3841,82 @@
           <a:bodyPr/>
           <a:lstStyle/>
           <a:p>
-            <a:endParaRPr lang="pt-BR"/>
+            <a:pPr marL="514350" indent="-514350">
+              <a:buFont typeface="+mj-lt"/>
+              <a:buAutoNum type="arabicPeriod"/>
+            </a:pPr>
+            <a:r>
+              <a:rPr lang="pt-BR" dirty="0"/>
+              <a:t>Davi. DEVMEDIA. </a:t>
+            </a:r>
+            <a:r>
+              <a:rPr lang="pt-BR" b="1" dirty="0"/>
+              <a:t>Uma Introdução ao RMI em Java</a:t>
+            </a:r>
+            <a:r>
+              <a:rPr lang="pt-BR" dirty="0"/>
+              <a:t>. 2013. Disponível em: &lt; https://www.devmedia.com.br/uma-introducao-ao-rmi-em-java/28681 &gt;. Acesso em: 06, nov., 2023, às 11h.</a:t>
+            </a:r>
+          </a:p>
+          <a:p>
+            <a:pPr marL="514350" indent="-514350">
+              <a:buFont typeface="+mj-lt"/>
+              <a:buAutoNum type="arabicPeriod"/>
+            </a:pPr>
+            <a:r>
+              <a:rPr lang="pt-BR" dirty="0" err="1"/>
+              <a:t>TutorialsPoint</a:t>
+            </a:r>
+            <a:r>
+              <a:rPr lang="pt-BR" dirty="0"/>
+              <a:t>. </a:t>
+            </a:r>
+            <a:r>
+              <a:rPr lang="pt-BR" b="1" dirty="0"/>
+              <a:t>Java RMI </a:t>
+            </a:r>
+            <a:r>
+              <a:rPr lang="pt-BR" b="1" dirty="0" err="1"/>
+              <a:t>Application</a:t>
+            </a:r>
+            <a:r>
+              <a:rPr lang="pt-BR" dirty="0"/>
+              <a:t>. Disponível em: &lt; https://www.tutorialspoint.com/java_rmi/index.htm &gt;. Acesso em: 06, nov., 2023, às 11h10min.</a:t>
+            </a:r>
+          </a:p>
+          <a:p>
+            <a:pPr marL="514350" indent="-514350">
+              <a:buFont typeface="+mj-lt"/>
+              <a:buAutoNum type="arabicPeriod"/>
+            </a:pPr>
+            <a:r>
+              <a:rPr lang="pt-BR" dirty="0"/>
+              <a:t>PAES, E., B., Carlos. </a:t>
+            </a:r>
+            <a:r>
+              <a:rPr lang="pt-BR" b="1" dirty="0"/>
+              <a:t>Java RMI (Remote </a:t>
+            </a:r>
+            <a:r>
+              <a:rPr lang="pt-BR" b="1" dirty="0" err="1"/>
+              <a:t>Method</a:t>
+            </a:r>
+            <a:r>
+              <a:rPr lang="pt-BR" b="1" dirty="0"/>
+              <a:t> </a:t>
+            </a:r>
+            <a:r>
+              <a:rPr lang="pt-BR" b="1" dirty="0" err="1"/>
+              <a:t>Invocation</a:t>
+            </a:r>
+            <a:r>
+              <a:rPr lang="pt-BR" b="1" dirty="0"/>
+              <a:t>)</a:t>
+            </a:r>
+            <a:r>
+              <a:rPr lang="pt-BR" dirty="0"/>
+              <a:t>. PUC-SP. Departamento de Computação. Laboratório de Programação 2. 15, set., 2016.</a:t>
+            </a:r>
           </a:p>
         </p:txBody>
       </p:sp>
@@ -3755,8 +3972,12 @@
           <a:lstStyle/>
           <a:p>
             <a:r>
+              <a:rPr lang="pt-BR" b="1" dirty="0"/>
+              <a:t>RMI</a:t>
+            </a:r>
+            <a:r>
               <a:rPr lang="pt-BR" dirty="0"/>
-              <a:t>RMI	</a:t>
+              <a:t>	</a:t>
             </a:r>
           </a:p>
         </p:txBody>
@@ -3890,7 +4111,7 @@
           <a:lstStyle/>
           <a:p>
             <a:r>
-              <a:rPr lang="pt-BR" dirty="0"/>
+              <a:rPr lang="pt-BR" b="1" dirty="0"/>
               <a:t>Funcionamento</a:t>
             </a:r>
           </a:p>
@@ -3987,7 +4208,7 @@
           <a:bodyPr/>
           <a:lstStyle/>
           <a:p>
-            <a:endParaRPr lang="pt-BR"/>
+            <a:endParaRPr lang="pt-BR" dirty="0"/>
           </a:p>
         </p:txBody>
       </p:sp>
@@ -4009,7 +4230,9 @@
         </p:nvSpPr>
         <p:spPr/>
         <p:txBody>
-          <a:bodyPr/>
+          <a:bodyPr>
+            <a:normAutofit/>
+          </a:bodyPr>
           <a:lstStyle/>
           <a:p>
             <a:pPr marL="514350" indent="-514350">
@@ -4017,33 +4240,33 @@
               <a:buAutoNum type="arabicPeriod"/>
             </a:pPr>
             <a:r>
+              <a:rPr lang="pt-BR" b="1" dirty="0"/>
+              <a:t>Interface Remota:</a:t>
+            </a:r>
+          </a:p>
+          <a:p>
+            <a:r>
               <a:rPr lang="pt-BR" dirty="0"/>
-              <a:t>Interface Remota:</a:t>
-            </a:r>
-          </a:p>
-          <a:p>
-            <a:r>
-              <a:rPr lang="pt-BR" sz="2000" dirty="0"/>
               <a:t>Para usar o RMI, você começa definindo uma interface remota. Esta interface deve estender a interface </a:t>
             </a:r>
             <a:r>
-              <a:rPr lang="pt-BR" sz="2000" i="1" dirty="0" err="1"/>
+              <a:rPr lang="pt-BR" i="1" dirty="0" err="1"/>
               <a:t>java.rmi.Remote</a:t>
             </a:r>
             <a:r>
-              <a:rPr lang="pt-BR" sz="2000" i="1" dirty="0"/>
+              <a:rPr lang="pt-BR" i="1" dirty="0"/>
               <a:t> </a:t>
             </a:r>
             <a:r>
-              <a:rPr lang="pt-BR" sz="2000" dirty="0"/>
+              <a:rPr lang="pt-BR" dirty="0"/>
               <a:t>e listar os métodos que podem ser chamados remotamente. Esses métodos também devem lançar exceções de tipo </a:t>
             </a:r>
             <a:r>
-              <a:rPr lang="pt-BR" sz="2000" i="1" dirty="0" err="1"/>
+              <a:rPr lang="pt-BR" i="1" dirty="0" err="1"/>
               <a:t>java.rmi.RemoteException</a:t>
             </a:r>
             <a:r>
-              <a:rPr lang="pt-BR" sz="2000" dirty="0"/>
+              <a:rPr lang="pt-BR" dirty="0"/>
               <a:t>.</a:t>
             </a:r>
           </a:p>
@@ -4052,21 +4275,21 @@
               <a:buNone/>
             </a:pPr>
             <a:r>
+              <a:rPr lang="pt-BR" b="1" dirty="0"/>
+              <a:t>2. Implementação do Objeto Remoto:</a:t>
+            </a:r>
+          </a:p>
+          <a:p>
+            <a:r>
               <a:rPr lang="pt-BR" dirty="0"/>
-              <a:t>2. Implementação do Objeto Remoto:</a:t>
-            </a:r>
-          </a:p>
-          <a:p>
-            <a:r>
-              <a:rPr lang="pt-BR" sz="2000" dirty="0"/>
               <a:t>Em seguida, você cria uma classe que implementa essa interface remota. Essa classe conterá a implementação dos métodos definidos na interface e deve estender </a:t>
             </a:r>
             <a:r>
-              <a:rPr lang="pt-BR" sz="2000" i="1" dirty="0" err="1"/>
+              <a:rPr lang="pt-BR" i="1" dirty="0" err="1"/>
               <a:t>java.rmi.server.UnicastRemoteObject</a:t>
             </a:r>
             <a:r>
-              <a:rPr lang="pt-BR" sz="2000" i="1" dirty="0"/>
+              <a:rPr lang="pt-BR" i="1" dirty="0"/>
               <a:t>.</a:t>
             </a:r>
           </a:p>
@@ -4146,7 +4369,7 @@
         <p:spPr/>
         <p:txBody>
           <a:bodyPr>
-            <a:normAutofit/>
+            <a:noAutofit/>
           </a:bodyPr>
           <a:lstStyle/>
           <a:p>
@@ -4154,47 +4377,44 @@
               <a:buNone/>
             </a:pPr>
             <a:r>
+              <a:rPr lang="pt-BR" b="1" dirty="0"/>
+              <a:t>3. Registro RMI (RMI Registry):</a:t>
+            </a:r>
+          </a:p>
+          <a:p>
+            <a:r>
               <a:rPr lang="pt-BR" dirty="0"/>
-              <a:t>3. Registro RMI (RMI Registry):</a:t>
-            </a:r>
-          </a:p>
-          <a:p>
-            <a:r>
-              <a:rPr lang="pt-BR" sz="2200" dirty="0"/>
               <a:t>O RMI Registry é um serviço de registro que atua como um diretório para objetos remotos. Você deve iniciar um registro RMI em uma máquina que pode ser acessada por máquinas cliente. Os objetos remotos são registrados neste registro para que os clientes possam localizá-los.</a:t>
             </a:r>
           </a:p>
           <a:p>
-            <a:endParaRPr lang="pt-BR" sz="2200" dirty="0"/>
-          </a:p>
-          <a:p>
             <a:pPr marL="0" indent="0">
               <a:buNone/>
             </a:pPr>
             <a:r>
+              <a:rPr lang="pt-BR" b="1" dirty="0"/>
+              <a:t>4. Registro do Objeto Remoto:</a:t>
+            </a:r>
+          </a:p>
+          <a:p>
+            <a:r>
               <a:rPr lang="pt-BR" dirty="0"/>
-              <a:t>4. Registro do Objeto Remoto:</a:t>
-            </a:r>
-          </a:p>
-          <a:p>
-            <a:r>
-              <a:rPr lang="pt-BR" sz="2000" dirty="0"/>
               <a:t>Você registra uma instância do objeto remoto no registro RMI usando o método </a:t>
             </a:r>
             <a:r>
-              <a:rPr lang="pt-BR" sz="2000" dirty="0" err="1"/>
+              <a:rPr lang="pt-BR" dirty="0" err="1"/>
               <a:t>rebind</a:t>
             </a:r>
             <a:r>
-              <a:rPr lang="pt-BR" sz="2000" dirty="0"/>
+              <a:rPr lang="pt-BR" dirty="0"/>
               <a:t>() ou </a:t>
             </a:r>
             <a:r>
-              <a:rPr lang="pt-BR" sz="2000" dirty="0" err="1"/>
+              <a:rPr lang="pt-BR" dirty="0" err="1"/>
               <a:t>bind</a:t>
             </a:r>
             <a:r>
-              <a:rPr lang="pt-BR" sz="2000" dirty="0"/>
+              <a:rPr lang="pt-BR" dirty="0"/>
               <a:t>() do registro. Isso associa um nome ao objeto remoto, permitindo que os clientes o encontrem pelo nome.</a:t>
             </a:r>
           </a:p>
@@ -4274,7 +4494,7 @@
         <p:spPr/>
         <p:txBody>
           <a:bodyPr>
-            <a:normAutofit/>
+            <a:noAutofit/>
           </a:bodyPr>
           <a:lstStyle/>
           <a:p>
@@ -4282,31 +4502,28 @@
               <a:buNone/>
             </a:pPr>
             <a:r>
+              <a:rPr lang="pt-BR" b="1" dirty="0"/>
+              <a:t>5. Cliente RMI:</a:t>
+            </a:r>
+          </a:p>
+          <a:p>
+            <a:r>
               <a:rPr lang="pt-BR" dirty="0"/>
-              <a:t>5. Cliente RMI:</a:t>
-            </a:r>
-          </a:p>
-          <a:p>
-            <a:r>
-              <a:rPr lang="pt-BR" sz="2000" dirty="0"/>
               <a:t>O cliente RMI, em uma máquina separada, procura o registro RMI para obter uma referência para o objeto remoto pelo nome. Ele usa essa referência para chamar os métodos remotos no objeto, como se estivesse chamando métodos em um objeto local.</a:t>
             </a:r>
           </a:p>
           <a:p>
-            <a:endParaRPr lang="pt-BR" dirty="0"/>
-          </a:p>
-          <a:p>
             <a:pPr marL="0" indent="0">
               <a:buNone/>
             </a:pPr>
             <a:r>
+              <a:rPr lang="pt-BR" b="1" dirty="0"/>
+              <a:t>6. Comunicação:</a:t>
+            </a:r>
+          </a:p>
+          <a:p>
+            <a:r>
               <a:rPr lang="pt-BR" dirty="0"/>
-              <a:t>6. Comunicação:</a:t>
-            </a:r>
-          </a:p>
-          <a:p>
-            <a:r>
-              <a:rPr lang="pt-BR" sz="2000" dirty="0"/>
               <a:t>Quando o cliente chama um método remoto, o RMI cuida da comunicação entre o cliente e o objeto remoto. Os parâmetros e o retorno do método são serializados e enviados pela rede para o objeto remoto. O objeto remoto executa o método e envia a resposta de volta para o cliente.</a:t>
             </a:r>
           </a:p>
@@ -4394,55 +4611,55 @@
               <a:buNone/>
             </a:pPr>
             <a:r>
+              <a:rPr lang="pt-BR" b="1" dirty="0"/>
+              <a:t>7. Comunicação Segura:</a:t>
+            </a:r>
+          </a:p>
+          <a:p>
+            <a:r>
               <a:rPr lang="pt-BR" dirty="0"/>
-              <a:t>7. Comunicação Segura:</a:t>
-            </a:r>
-          </a:p>
-          <a:p>
-            <a:r>
-              <a:rPr lang="pt-BR" sz="2000" dirty="0"/>
               <a:t>O RMI fornece suporte para comunicação segura por meio do uso de SSL (</a:t>
             </a:r>
             <a:r>
-              <a:rPr lang="pt-BR" sz="2000" dirty="0" err="1"/>
+              <a:rPr lang="pt-BR" dirty="0" err="1"/>
               <a:t>Secure</a:t>
             </a:r>
             <a:r>
-              <a:rPr lang="pt-BR" sz="2000" dirty="0"/>
+              <a:rPr lang="pt-BR" dirty="0"/>
               <a:t> Sockets </a:t>
             </a:r>
             <a:r>
-              <a:rPr lang="pt-BR" sz="2000" dirty="0" err="1"/>
+              <a:rPr lang="pt-BR" dirty="0" err="1"/>
               <a:t>Layer</a:t>
             </a:r>
             <a:r>
-              <a:rPr lang="pt-BR" sz="2000" dirty="0"/>
+              <a:rPr lang="pt-BR" dirty="0"/>
               <a:t>) e autenticação de objetos remotos.</a:t>
             </a:r>
           </a:p>
           <a:p>
-            <a:endParaRPr lang="pt-BR" sz="2000" dirty="0"/>
+            <a:endParaRPr lang="pt-BR" dirty="0"/>
           </a:p>
           <a:p>
             <a:pPr marL="0" indent="0">
               <a:buNone/>
             </a:pPr>
             <a:r>
+              <a:rPr lang="pt-BR" b="1" dirty="0"/>
+              <a:t>8. Tratamento de Exceções:</a:t>
+            </a:r>
+          </a:p>
+          <a:p>
+            <a:r>
               <a:rPr lang="pt-BR" dirty="0"/>
-              <a:t>8. Tratamento de Exceções:</a:t>
-            </a:r>
-          </a:p>
-          <a:p>
-            <a:r>
-              <a:rPr lang="pt-BR" sz="1800" dirty="0"/>
               <a:t>Quando ocorrem exceções durante a invocação remota, elas são transmitidas de volta ao cliente como exceções </a:t>
             </a:r>
             <a:r>
-              <a:rPr lang="pt-BR" sz="1800" i="1" dirty="0" err="1"/>
+              <a:rPr lang="pt-BR" i="1" dirty="0" err="1"/>
               <a:t>java.rmi.RemoteException</a:t>
             </a:r>
             <a:r>
-              <a:rPr lang="pt-BR" sz="1800" dirty="0"/>
+              <a:rPr lang="pt-BR" dirty="0"/>
               <a:t>. O cliente pode tratar essas exceções conforme necessário.</a:t>
             </a:r>
           </a:p>
@@ -4526,7 +4743,7 @@
         <p:spPr/>
         <p:txBody>
           <a:bodyPr>
-            <a:normAutofit fontScale="85000" lnSpcReduction="20000"/>
+            <a:noAutofit/>
           </a:bodyPr>
           <a:lstStyle/>
           <a:p>
@@ -4558,29 +4775,6 @@
               <a:rPr lang="pt-BR" dirty="0"/>
               <a:t> O RMI realiza a serialização de objetos e parâmetros de forma transparente, tornando mais fácil a comunicação entre objetos remotos.</a:t>
             </a:r>
-          </a:p>
-          <a:p>
-            <a:r>
-              <a:rPr lang="pt-BR" b="1" dirty="0"/>
-              <a:t>Segurança Integrada:</a:t>
-            </a:r>
-            <a:r>
-              <a:rPr lang="pt-BR" dirty="0"/>
-              <a:t> O RMI oferece suporte a recursos de segurança, como autenticação e criptografia, garantindo a segurança da comunicação.</a:t>
-            </a:r>
-          </a:p>
-          <a:p>
-            <a:r>
-              <a:rPr lang="pt-BR" b="1" dirty="0"/>
-              <a:t>Facilidade de Manutenção:</a:t>
-            </a:r>
-            <a:r>
-              <a:rPr lang="pt-BR" dirty="0"/>
-              <a:t> A manutenção de sistemas RMI é simplificada, pois os objetos remotos podem ser atualizados sem afetar os clientes, desde que a interface não seja alterada.</a:t>
-            </a:r>
-          </a:p>
-          <a:p>
-            <a:endParaRPr lang="pt-BR" dirty="0"/>
           </a:p>
         </p:txBody>
       </p:sp>
@@ -4619,7 +4813,7 @@
           <p:cNvPr id="2" name="Título 1">
             <a:extLst>
               <a:ext uri="{FF2B5EF4-FFF2-40B4-BE49-F238E27FC236}">
-                <a16:creationId xmlns:a16="http://schemas.microsoft.com/office/drawing/2014/main" id="{B050A3D9-DF36-4FF8-865A-14206455208A}"/>
+                <a16:creationId xmlns:a16="http://schemas.microsoft.com/office/drawing/2014/main" id="{DFEF097F-47D2-4119-843E-BB7230843E85}"/>
               </a:ext>
             </a:extLst>
           </p:cNvPr>
@@ -4637,7 +4831,7 @@
           <a:p>
             <a:r>
               <a:rPr lang="pt-BR" b="1" dirty="0"/>
-              <a:t>Desvantagens:</a:t>
+              <a:t>Vantagens:</a:t>
             </a:r>
             <a:endParaRPr lang="pt-BR" dirty="0"/>
           </a:p>
@@ -4648,7 +4842,7 @@
           <p:cNvPr id="3" name="Espaço Reservado para Conteúdo 2">
             <a:extLst>
               <a:ext uri="{FF2B5EF4-FFF2-40B4-BE49-F238E27FC236}">
-                <a16:creationId xmlns:a16="http://schemas.microsoft.com/office/drawing/2014/main" id="{9345BB01-EE1D-4DF4-AA7C-A83F1A820092}"/>
+                <a16:creationId xmlns:a16="http://schemas.microsoft.com/office/drawing/2014/main" id="{C3C3EE40-F86B-4974-A92F-89A79D29E086}"/>
               </a:ext>
             </a:extLst>
           </p:cNvPr>
@@ -4661,105 +4855,37 @@
         </p:nvSpPr>
         <p:spPr/>
         <p:txBody>
-          <a:bodyPr>
-            <a:normAutofit fontScale="70000" lnSpcReduction="20000"/>
-          </a:bodyPr>
-          <a:lstStyle/>
+          <a:bodyPr/>
+          <a:lstStyle/>
+          <a:p>
+            <a:endParaRPr lang="pt-BR" dirty="0"/>
+          </a:p>
           <a:p>
             <a:r>
               <a:rPr lang="pt-BR" b="1" dirty="0"/>
-              <a:t>Limitações de Linguagem:</a:t>
+              <a:t>Segurança Integrada:</a:t>
             </a:r>
             <a:r>
               <a:rPr lang="pt-BR" dirty="0"/>
-              <a:t> O RMI é específico para a linguagem Java, o que significa que a comunicação com sistemas </a:t>
-            </a:r>
-            <a:r>
-              <a:rPr lang="pt-BR" dirty="0" err="1"/>
-              <a:t>não-Java</a:t>
+              <a:t> O RMI oferece suporte a recursos de segurança, como autenticação e criptografia, garantindo a segurança da comunicação.</a:t>
+            </a:r>
+          </a:p>
+          <a:p>
+            <a:r>
+              <a:rPr lang="pt-BR" b="1" dirty="0"/>
+              <a:t>Facilidade de Manutenção:</a:t>
             </a:r>
             <a:r>
               <a:rPr lang="pt-BR" dirty="0"/>
-              <a:t> pode ser complicada.</a:t>
-            </a:r>
-          </a:p>
-          <a:p>
-            <a:r>
-              <a:rPr lang="pt-BR" b="1" dirty="0"/>
-              <a:t>Complexidade da Configuração:</a:t>
-            </a:r>
-            <a:r>
-              <a:rPr lang="pt-BR" dirty="0"/>
-              <a:t> Configurar e iniciar o registro RMI e configurar os objetos remotos pode ser uma tarefa complexa e requer um conhecimento mais avançado.</a:t>
-            </a:r>
-          </a:p>
-          <a:p>
-            <a:r>
-              <a:rPr lang="pt-BR" b="1" dirty="0"/>
-              <a:t>Problemas de Desempenho:</a:t>
-            </a:r>
-            <a:r>
-              <a:rPr lang="pt-BR" dirty="0"/>
-              <a:t> Em comparação com tecnologias mais leves, como HTTP, o RMI pode ter uma sobrecarga de desempenho devido à serialização e </a:t>
-            </a:r>
-            <a:r>
-              <a:rPr lang="pt-BR" dirty="0" err="1"/>
-              <a:t>desserialização</a:t>
-            </a:r>
-            <a:r>
-              <a:rPr lang="pt-BR" dirty="0"/>
-              <a:t> de objetos.</a:t>
-            </a:r>
-          </a:p>
-          <a:p>
-            <a:r>
-              <a:rPr lang="pt-BR" b="1" dirty="0"/>
-              <a:t>Dependência da Rede:</a:t>
-            </a:r>
-            <a:r>
-              <a:rPr lang="pt-BR" dirty="0"/>
-              <a:t> O RMI depende de uma rede funcional, e problemas de conectividade podem afetar a comunicação.</a:t>
-            </a:r>
-          </a:p>
-          <a:p>
-            <a:r>
-              <a:rPr lang="pt-BR" b="1" dirty="0"/>
-              <a:t>Compatibilidade entre Versões:</a:t>
-            </a:r>
-            <a:r>
-              <a:rPr lang="pt-BR" dirty="0"/>
-              <a:t> Alterações nas interfaces de objetos remotos podem causar problemas de compatibilidade entre versões, exigindo cuidados na evolução dos sistemas.</a:t>
-            </a:r>
-          </a:p>
-          <a:p>
-            <a:r>
-              <a:rPr lang="pt-BR" b="1" dirty="0"/>
-              <a:t>Complexidade de Gerenciamento:</a:t>
-            </a:r>
-            <a:r>
-              <a:rPr lang="pt-BR" dirty="0"/>
-              <a:t> A gestão de objetos remotos registrados pode se tornar complexa em sistemas grandes.</a:t>
-            </a:r>
-          </a:p>
-          <a:p>
-            <a:r>
-              <a:rPr lang="pt-BR" b="1" dirty="0"/>
-              <a:t>Limitação de Tipos de Dados</a:t>
-            </a:r>
-            <a:r>
-              <a:rPr lang="pt-BR" dirty="0"/>
-              <a:t>: O RMI é otimizado para objetos Java e pode não suportar tipos de dados complexos ou personalizados de maneira eficiente.</a:t>
-            </a:r>
-          </a:p>
-          <a:p>
-            <a:endParaRPr lang="pt-BR" dirty="0"/>
+              <a:t> A manutenção de sistemas RMI é simplificada, pois os objetos remotos podem ser atualizados sem afetar os clientes, desde que a interface não seja alterada.</a:t>
+            </a:r>
           </a:p>
         </p:txBody>
       </p:sp>
     </p:spTree>
     <p:extLst>
       <p:ext uri="{BB962C8B-B14F-4D97-AF65-F5344CB8AC3E}">
-        <p14:creationId xmlns:p14="http://schemas.microsoft.com/office/powerpoint/2010/main" val="3206589047"/>
+        <p14:creationId xmlns:p14="http://schemas.microsoft.com/office/powerpoint/2010/main" val="67852813"/>
       </p:ext>
     </p:extLst>
   </p:cSld>
